--- a/notes/Volume 1 - Supervised Deep Learning/Part 2 - Convolutional Neural Networks (CNN)/editable-images.pptx
+++ b/notes/Volume 1 - Supervised Deep Learning/Part 2 - Convolutional Neural Networks (CNN)/editable-images.pptx
@@ -3342,6 +3342,170 @@
           <a:chExt cx="0" cy="0"/>
         </a:xfrm>
       </p:grpSpPr>
+      <p:pic>
+        <p:nvPicPr>
+          <p:cNvPr id="6" name="Picture 5" descr="A screenshot of a cell phone&#10;&#10;Description automatically generated">
+            <a:extLst>
+              <a:ext uri="{FF2B5EF4-FFF2-40B4-BE49-F238E27FC236}">
+                <a16:creationId xmlns:a16="http://schemas.microsoft.com/office/drawing/2014/main" id="{2CAB4BDD-EBF8-C047-9981-C7F2DA8E6E2D}"/>
+              </a:ext>
+            </a:extLst>
+          </p:cNvPr>
+          <p:cNvPicPr>
+            <a:picLocks noChangeAspect="1"/>
+          </p:cNvPicPr>
+          <p:nvPr/>
+        </p:nvPicPr>
+        <p:blipFill>
+          <a:blip r:embed="rId2"/>
+          <a:stretch>
+            <a:fillRect/>
+          </a:stretch>
+        </p:blipFill>
+        <p:spPr>
+          <a:xfrm>
+            <a:off x="2586038" y="0"/>
+            <a:ext cx="6772275" cy="3363823"/>
+          </a:xfrm>
+          <a:prstGeom prst="rect">
+            <a:avLst/>
+          </a:prstGeom>
+        </p:spPr>
+      </p:pic>
+      <p:pic>
+        <p:nvPicPr>
+          <p:cNvPr id="7" name="Picture 6" descr="A screenshot of a cell phone&#10;&#10;Description automatically generated">
+            <a:extLst>
+              <a:ext uri="{FF2B5EF4-FFF2-40B4-BE49-F238E27FC236}">
+                <a16:creationId xmlns:a16="http://schemas.microsoft.com/office/drawing/2014/main" id="{D33181C3-0E40-F148-A574-CFEBF98798CF}"/>
+              </a:ext>
+            </a:extLst>
+          </p:cNvPr>
+          <p:cNvPicPr>
+            <a:picLocks noChangeAspect="1"/>
+          </p:cNvPicPr>
+          <p:nvPr/>
+        </p:nvPicPr>
+        <p:blipFill rotWithShape="1">
+          <a:blip r:embed="rId2"/>
+          <a:srcRect t="3546"/>
+          <a:stretch/>
+        </p:blipFill>
+        <p:spPr>
+          <a:xfrm>
+            <a:off x="2586038" y="3363823"/>
+            <a:ext cx="6772275" cy="3244525"/>
+          </a:xfrm>
+          <a:prstGeom prst="rect">
+            <a:avLst/>
+          </a:prstGeom>
+        </p:spPr>
+      </p:pic>
+      <p:sp>
+        <p:nvSpPr>
+          <p:cNvPr id="8" name="TextBox 7">
+            <a:extLst>
+              <a:ext uri="{FF2B5EF4-FFF2-40B4-BE49-F238E27FC236}">
+                <a16:creationId xmlns:a16="http://schemas.microsoft.com/office/drawing/2014/main" id="{70885852-7F8F-EB44-9CA7-AD7F4C4CCC8D}"/>
+              </a:ext>
+            </a:extLst>
+          </p:cNvPr>
+          <p:cNvSpPr txBox="1"/>
+          <p:nvPr/>
+        </p:nvSpPr>
+        <p:spPr>
+          <a:xfrm>
+            <a:off x="4743450" y="2200275"/>
+            <a:ext cx="354584" cy="369332"/>
+          </a:xfrm>
+          <a:prstGeom prst="rect">
+            <a:avLst/>
+          </a:prstGeom>
+          <a:noFill/>
+        </p:spPr>
+        <p:txBody>
+          <a:bodyPr wrap="none" rtlCol="0">
+            <a:spAutoFit/>
+          </a:bodyPr>
+          <a:lstStyle/>
+          <a:p>
+            <a:r>
+              <a:rPr lang="en-US" dirty="0"/>
+              <a:t>1 </a:t>
+            </a:r>
+          </a:p>
+        </p:txBody>
+      </p:sp>
+      <p:sp>
+        <p:nvSpPr>
+          <p:cNvPr id="9" name="TextBox 8">
+            <a:extLst>
+              <a:ext uri="{FF2B5EF4-FFF2-40B4-BE49-F238E27FC236}">
+                <a16:creationId xmlns:a16="http://schemas.microsoft.com/office/drawing/2014/main" id="{5FD8ADB2-4EC4-4945-9818-61F98E06FCC8}"/>
+              </a:ext>
+            </a:extLst>
+          </p:cNvPr>
+          <p:cNvSpPr txBox="1"/>
+          <p:nvPr/>
+        </p:nvSpPr>
+        <p:spPr>
+          <a:xfrm>
+            <a:off x="4683696" y="5422296"/>
+            <a:ext cx="354584" cy="369332"/>
+          </a:xfrm>
+          <a:prstGeom prst="rect">
+            <a:avLst/>
+          </a:prstGeom>
+          <a:noFill/>
+        </p:spPr>
+        <p:txBody>
+          <a:bodyPr wrap="none" rtlCol="0">
+            <a:spAutoFit/>
+          </a:bodyPr>
+          <a:lstStyle/>
+          <a:p>
+            <a:r>
+              <a:rPr lang="en-US" dirty="0"/>
+              <a:t>2 </a:t>
+            </a:r>
+          </a:p>
+        </p:txBody>
+      </p:sp>
+      <p:sp>
+        <p:nvSpPr>
+          <p:cNvPr id="10" name="TextBox 9">
+            <a:extLst>
+              <a:ext uri="{FF2B5EF4-FFF2-40B4-BE49-F238E27FC236}">
+                <a16:creationId xmlns:a16="http://schemas.microsoft.com/office/drawing/2014/main" id="{7479C194-4C5F-494D-88B2-FFF3F9084A96}"/>
+              </a:ext>
+            </a:extLst>
+          </p:cNvPr>
+          <p:cNvSpPr txBox="1"/>
+          <p:nvPr/>
+        </p:nvSpPr>
+        <p:spPr>
+          <a:xfrm rot="5400000">
+            <a:off x="6421929" y="3412023"/>
+            <a:ext cx="5036724" cy="369332"/>
+          </a:xfrm>
+          <a:prstGeom prst="rect">
+            <a:avLst/>
+          </a:prstGeom>
+          <a:noFill/>
+        </p:spPr>
+        <p:txBody>
+          <a:bodyPr wrap="square" rtlCol="0">
+            <a:spAutoFit/>
+          </a:bodyPr>
+          <a:lstStyle/>
+          <a:p>
+            <a:r>
+              <a:rPr lang="en-US" dirty="0"/>
+              <a:t>One big column with all max pooled maps flattened</a:t>
+            </a:r>
+          </a:p>
+        </p:txBody>
+      </p:sp>
     </p:spTree>
     <p:extLst>
       <p:ext uri="{BB962C8B-B14F-4D97-AF65-F5344CB8AC3E}">
